--- a/spring13/slides13/hall-proof.pptx
+++ b/spring13/slides13/hall-proof.pptx
@@ -14,8 +14,8 @@
     <p:sldId id="857" r:id="rId2"/>
     <p:sldId id="896" r:id="rId3"/>
     <p:sldId id="897" r:id="rId4"/>
-    <p:sldId id="898" r:id="rId5"/>
-    <p:sldId id="899" r:id="rId6"/>
+    <p:sldId id="902" r:id="rId5"/>
+    <p:sldId id="903" r:id="rId6"/>
     <p:sldId id="869" r:id="rId7"/>
     <p:sldId id="870" r:id="rId8"/>
     <p:sldId id="871" r:id="rId9"/>
@@ -27,7 +27,7 @@
     <p:sldId id="880" r:id="rId15"/>
     <p:sldId id="881" r:id="rId16"/>
     <p:sldId id="888" r:id="rId17"/>
-    <p:sldId id="889" r:id="rId18"/>
+    <p:sldId id="901" r:id="rId18"/>
     <p:sldId id="894" r:id="rId19"/>
     <p:sldId id="883" r:id="rId20"/>
     <p:sldId id="891" r:id="rId21"/>
@@ -4375,48 +4375,6 @@
       </p:grpSpPr>
       <p:sp>
         <p:nvSpPr>
-          <p:cNvPr id="12292" name="Text Box 2"/>
-          <p:cNvSpPr txBox="1">
-            <a:spLocks noChangeArrowheads="1"/>
-          </p:cNvSpPr>
-          <p:nvPr/>
-        </p:nvSpPr>
-        <p:spPr bwMode="auto">
-          <a:xfrm>
-            <a:off x="1143000" y="228600"/>
-            <a:ext cx="6220974" cy="584776"/>
-          </a:xfrm>
-          <a:prstGeom prst="rect">
-            <a:avLst/>
-          </a:prstGeom>
-          <a:noFill/>
-          <a:ln w="38100">
-            <a:noFill/>
-            <a:miter lim="800000"/>
-            <a:headEnd/>
-            <a:tailEnd type="none" w="lg" len="lg"/>
-          </a:ln>
-        </p:spPr>
-        <p:txBody>
-          <a:bodyPr wrap="none">
-            <a:spAutoFit/>
-          </a:bodyPr>
-          <a:lstStyle/>
-          <a:p>
-            <a:pPr>
-              <a:buNone/>
-            </a:pPr>
-            <a:r>
-              <a:rPr lang="en-US" b="1">
-                <a:latin typeface="Comic Sans MS" pitchFamily="8" charset="0"/>
-              </a:rPr>
-              <a:t>How to verify no bottlenecks?</a:t>
-            </a:r>
-          </a:p>
-        </p:txBody>
-      </p:sp>
-      <p:sp>
-        <p:nvSpPr>
           <p:cNvPr id="285699" name="Text Box 3"/>
           <p:cNvSpPr txBox="1">
             <a:spLocks noChangeArrowheads="1"/>
@@ -4591,7 +4549,7 @@
           <a:graphicData uri="http://schemas.openxmlformats.org/presentationml/2006/ole">
             <mc:AlternateContent xmlns:mc="http://schemas.openxmlformats.org/markup-compatibility/2006">
               <mc:Choice xmlns:v="urn:schemas-microsoft-com:vml" Requires="v">
-                <p:oleObj spid="_x0000_s21510" name="Equation" r:id="rId4" imgW="914400" imgH="198720" progId="">
+                <p:oleObj spid="_x0000_s21524" name="Equation" r:id="rId4" imgW="914400" imgH="198720" progId="">
                   <p:embed/>
                 </p:oleObj>
               </mc:Choice>
@@ -4667,7 +4625,7 @@
           <a:graphicData uri="http://schemas.openxmlformats.org/presentationml/2006/ole">
             <mc:AlternateContent xmlns:mc="http://schemas.openxmlformats.org/markup-compatibility/2006">
               <mc:Choice xmlns:v="urn:schemas-microsoft-com:vml" Requires="v">
-                <p:oleObj spid="_x0000_s21511" name="Equation" r:id="rId6" imgW="914400" imgH="198720" progId="Equation.3">
+                <p:oleObj spid="_x0000_s21525" name="Equation" r:id="rId6" imgW="914400" imgH="198720" progId="Equation.3">
                   <p:embed/>
                 </p:oleObj>
               </mc:Choice>
@@ -5241,6 +5199,100 @@
               </a:rPr>
               <a:t>|</a:t>
             </a:r>
+          </a:p>
+        </p:txBody>
+      </p:sp>
+      <p:sp>
+        <p:nvSpPr>
+          <p:cNvPr id="10" name="Text Box 2"/>
+          <p:cNvSpPr txBox="1">
+            <a:spLocks noChangeArrowheads="1"/>
+          </p:cNvSpPr>
+          <p:nvPr/>
+        </p:nvSpPr>
+        <p:spPr bwMode="auto">
+          <a:xfrm>
+            <a:off x="2030520" y="80539"/>
+            <a:ext cx="5509842" cy="1175706"/>
+          </a:xfrm>
+          <a:prstGeom prst="rect">
+            <a:avLst/>
+          </a:prstGeom>
+          <a:noFill/>
+          <a:ln w="38100">
+            <a:noFill/>
+            <a:miter lim="800000"/>
+            <a:headEnd/>
+            <a:tailEnd type="none" w="lg" len="lg"/>
+          </a:ln>
+        </p:spPr>
+        <p:txBody>
+          <a:bodyPr wrap="none">
+            <a:spAutoFit/>
+          </a:bodyPr>
+          <a:lstStyle/>
+          <a:p>
+            <a:pPr algn="ctr">
+              <a:buNone/>
+            </a:pPr>
+            <a:r>
+              <a:rPr lang="en-US" b="1" dirty="0" smtClean="0">
+                <a:latin typeface="Comic Sans MS" pitchFamily="8" charset="0"/>
+              </a:rPr>
+              <a:t>Degree constrained implies</a:t>
+            </a:r>
+          </a:p>
+          <a:p>
+            <a:pPr algn="ctr">
+              <a:buNone/>
+            </a:pPr>
+            <a:r>
+              <a:rPr lang="en-US" b="1" dirty="0" smtClean="0">
+                <a:latin typeface="Comic Sans MS" pitchFamily="8" charset="0"/>
+              </a:rPr>
+              <a:t>Hall condition</a:t>
+            </a:r>
+            <a:endParaRPr lang="en-US" b="1" dirty="0">
+              <a:latin typeface="Comic Sans MS" pitchFamily="8" charset="0"/>
+            </a:endParaRPr>
+          </a:p>
+        </p:txBody>
+      </p:sp>
+      <p:sp>
+        <p:nvSpPr>
+          <p:cNvPr id="13" name="TextBox 12"/>
+          <p:cNvSpPr txBox="1"/>
+          <p:nvPr/>
+        </p:nvSpPr>
+        <p:spPr>
+          <a:xfrm>
+            <a:off x="6540957" y="5861172"/>
+            <a:ext cx="1723849" cy="923330"/>
+          </a:xfrm>
+          <a:prstGeom prst="rect">
+            <a:avLst/>
+          </a:prstGeom>
+          <a:noFill/>
+        </p:spPr>
+        <p:txBody>
+          <a:bodyPr wrap="none" rtlCol="0">
+            <a:spAutoFit/>
+          </a:bodyPr>
+          <a:lstStyle/>
+          <a:p>
+            <a:pPr>
+              <a:buNone/>
+            </a:pPr>
+            <a:r>
+              <a:rPr lang="en-US" sz="5400" dirty="0">
+                <a:solidFill>
+                  <a:srgbClr val="008000"/>
+                </a:solidFill>
+                <a:latin typeface="Comic Sans MS" pitchFamily="8" charset="0"/>
+              </a:rPr>
+              <a:t>QED</a:t>
+            </a:r>
+            <a:endParaRPr lang="en-US" sz="5400" dirty="0"/>
           </a:p>
         </p:txBody>
       </p:sp>
@@ -5540,6 +5592,119 @@
                             </p:childTnLst>
                           </p:cTn>
                         </p:par>
+                        <p:par>
+                          <p:cTn id="24" fill="hold">
+                            <p:stCondLst>
+                              <p:cond delay="1000"/>
+                            </p:stCondLst>
+                            <p:childTnLst>
+                              <p:par>
+                                <p:cTn id="25" presetID="35" presetClass="entr" presetSubtype="0" fill="hold" grpId="0" nodeType="afterEffect">
+                                  <p:stCondLst>
+                                    <p:cond delay="0"/>
+                                  </p:stCondLst>
+                                  <p:childTnLst>
+                                    <p:set>
+                                      <p:cBhvr>
+                                        <p:cTn id="26" dur="1" fill="hold">
+                                          <p:stCondLst>
+                                            <p:cond delay="0"/>
+                                          </p:stCondLst>
+                                        </p:cTn>
+                                        <p:tgtEl>
+                                          <p:spTgt spid="13"/>
+                                        </p:tgtEl>
+                                        <p:attrNameLst>
+                                          <p:attrName>style.visibility</p:attrName>
+                                        </p:attrNameLst>
+                                      </p:cBhvr>
+                                      <p:to>
+                                        <p:strVal val="visible"/>
+                                      </p:to>
+                                    </p:set>
+                                    <p:animEffect transition="in" filter="fade">
+                                      <p:cBhvr>
+                                        <p:cTn id="27" dur="500"/>
+                                        <p:tgtEl>
+                                          <p:spTgt spid="13"/>
+                                        </p:tgtEl>
+                                      </p:cBhvr>
+                                    </p:animEffect>
+                                    <p:anim calcmode="lin" valueType="num">
+                                      <p:cBhvr>
+                                        <p:cTn id="28" dur="500" fill="hold"/>
+                                        <p:tgtEl>
+                                          <p:spTgt spid="13"/>
+                                        </p:tgtEl>
+                                        <p:attrNameLst>
+                                          <p:attrName>style.rotation</p:attrName>
+                                        </p:attrNameLst>
+                                      </p:cBhvr>
+                                      <p:tavLst>
+                                        <p:tav tm="0">
+                                          <p:val>
+                                            <p:fltVal val="720"/>
+                                          </p:val>
+                                        </p:tav>
+                                        <p:tav tm="100000">
+                                          <p:val>
+                                            <p:fltVal val="0"/>
+                                          </p:val>
+                                        </p:tav>
+                                      </p:tavLst>
+                                    </p:anim>
+                                    <p:anim calcmode="lin" valueType="num">
+                                      <p:cBhvr>
+                                        <p:cTn id="29" dur="500" fill="hold"/>
+                                        <p:tgtEl>
+                                          <p:spTgt spid="13"/>
+                                        </p:tgtEl>
+                                        <p:attrNameLst>
+                                          <p:attrName>ppt_h</p:attrName>
+                                        </p:attrNameLst>
+                                      </p:cBhvr>
+                                      <p:tavLst>
+                                        <p:tav tm="0">
+                                          <p:val>
+                                            <p:fltVal val="0"/>
+                                          </p:val>
+                                        </p:tav>
+                                        <p:tav tm="100000">
+                                          <p:val>
+                                            <p:strVal val="#ppt_h"/>
+                                          </p:val>
+                                        </p:tav>
+                                      </p:tavLst>
+                                    </p:anim>
+                                    <p:anim calcmode="lin" valueType="num">
+                                      <p:cBhvr>
+                                        <p:cTn id="30" dur="500" fill="hold"/>
+                                        <p:tgtEl>
+                                          <p:spTgt spid="13"/>
+                                        </p:tgtEl>
+                                        <p:attrNameLst>
+                                          <p:attrName>ppt_w</p:attrName>
+                                        </p:attrNameLst>
+                                      </p:cBhvr>
+                                      <p:tavLst>
+                                        <p:tav tm="0">
+                                          <p:val>
+                                            <p:fltVal val="0"/>
+                                          </p:val>
+                                        </p:tav>
+                                        <p:tav tm="100000">
+                                          <p:val>
+                                            <p:strVal val="#ppt_w"/>
+                                          </p:val>
+                                        </p:tav>
+                                      </p:tavLst>
+                                    </p:anim>
+                                  </p:childTnLst>
+                                </p:cTn>
+                              </p:par>
+                            </p:childTnLst>
+                          </p:cTn>
+                        </p:par>
                       </p:childTnLst>
                     </p:cTn>
                   </p:par>
@@ -5567,6 +5732,7 @@
     <p:bldLst>
       <p:bldP spid="11" grpId="0" build="allAtOnce"/>
       <p:bldP spid="15" grpId="0"/>
+      <p:bldP spid="13" grpId="0"/>
     </p:bldLst>
   </p:timing>
 </p:sld>
@@ -6281,7 +6447,7 @@
           <a:graphicData uri="http://schemas.openxmlformats.org/presentationml/2006/ole">
             <mc:AlternateContent xmlns:mc="http://schemas.openxmlformats.org/markup-compatibility/2006">
               <mc:Choice xmlns:v="urn:schemas-microsoft-com:vml" Requires="v">
-                <p:oleObj spid="_x0000_s12328" name="Equation" r:id="rId4" imgW="1282700" imgH="254000" progId="Equation.DSMT4">
+                <p:oleObj spid="_x0000_s12335" name="Equation" r:id="rId4" imgW="1282700" imgH="254000" progId="Equation.DSMT4">
                   <p:embed/>
                 </p:oleObj>
               </mc:Choice>
@@ -7848,7 +8014,7 @@
           <a:graphicData uri="http://schemas.openxmlformats.org/presentationml/2006/ole">
             <mc:AlternateContent xmlns:mc="http://schemas.openxmlformats.org/markup-compatibility/2006">
               <mc:Choice xmlns:v="urn:schemas-microsoft-com:vml" Requires="v">
-                <p:oleObj spid="_x0000_s5279" name="Equation" r:id="rId4" imgW="114120" imgH="177480" progId="Equation.DSMT4">
+                <p:oleObj spid="_x0000_s5306" name="Equation" r:id="rId4" imgW="114120" imgH="177480" progId="Equation.DSMT4">
                   <p:embed/>
                 </p:oleObj>
               </mc:Choice>
@@ -8378,7 +8544,7 @@
             <a:graphicData uri="http://schemas.openxmlformats.org/presentationml/2006/ole">
               <mc:AlternateContent xmlns:mc="http://schemas.openxmlformats.org/markup-compatibility/2006">
                 <mc:Choice xmlns:v="urn:schemas-microsoft-com:vml" Requires="v">
-                  <p:oleObj spid="_x0000_s5280" name="Equation" r:id="rId6" imgW="139680" imgH="215640" progId="Equation.DSMT4">
+                  <p:oleObj spid="_x0000_s5307" name="Equation" r:id="rId6" imgW="139680" imgH="215640" progId="Equation.DSMT4">
                     <p:embed/>
                   </p:oleObj>
                 </mc:Choice>
@@ -8508,7 +8674,7 @@
             <a:graphicData uri="http://schemas.openxmlformats.org/presentationml/2006/ole">
               <mc:AlternateContent xmlns:mc="http://schemas.openxmlformats.org/markup-compatibility/2006">
                 <mc:Choice xmlns:v="urn:schemas-microsoft-com:vml" Requires="v">
-                  <p:oleObj spid="_x0000_s5281" name="Equation" r:id="rId8" imgW="355600" imgH="254000" progId="Equation.DSMT4">
+                  <p:oleObj spid="_x0000_s5308" name="Equation" r:id="rId8" imgW="355600" imgH="254000" progId="Equation.DSMT4">
                     <p:embed/>
                   </p:oleObj>
                 </mc:Choice>
@@ -8824,7 +8990,7 @@
           <a:graphicData uri="http://schemas.openxmlformats.org/presentationml/2006/ole">
             <mc:AlternateContent xmlns:mc="http://schemas.openxmlformats.org/markup-compatibility/2006">
               <mc:Choice xmlns:v="urn:schemas-microsoft-com:vml" Requires="v">
-                <p:oleObj spid="_x0000_s5282" name="Equation" r:id="rId10" imgW="139680" imgH="215640" progId="Equation.DSMT4">
+                <p:oleObj spid="_x0000_s5309" name="Equation" r:id="rId10" imgW="139680" imgH="215640" progId="Equation.DSMT4">
                   <p:embed/>
                 </p:oleObj>
               </mc:Choice>
@@ -8900,7 +9066,7 @@
           <a:graphicData uri="http://schemas.openxmlformats.org/presentationml/2006/ole">
             <mc:AlternateContent xmlns:mc="http://schemas.openxmlformats.org/markup-compatibility/2006">
               <mc:Choice xmlns:v="urn:schemas-microsoft-com:vml" Requires="v">
-                <p:oleObj spid="_x0000_s5283" name="Equation" r:id="rId11" imgW="355600" imgH="254000" progId="Equation.DSMT4">
+                <p:oleObj spid="_x0000_s5310" name="Equation" r:id="rId11" imgW="355600" imgH="254000" progId="Equation.DSMT4">
                   <p:embed/>
                 </p:oleObj>
               </mc:Choice>
@@ -10024,7 +10190,7 @@
         </p:nvSpPr>
         <p:spPr bwMode="auto">
           <a:xfrm>
-            <a:off x="361950" y="1133475"/>
+            <a:off x="330348" y="907303"/>
             <a:ext cx="8492830" cy="5262979"/>
           </a:xfrm>
           <a:prstGeom prst="rect">
@@ -10185,13 +10351,13 @@
               <a:rPr lang="en-US" sz="4800" dirty="0" smtClean="0">
                 <a:latin typeface="Comic Sans MS" pitchFamily="8" charset="0"/>
               </a:rPr>
-              <a:t>Hall </a:t>
+              <a:t>Hall graph     </a:t>
             </a:r>
             <a:r>
               <a:rPr lang="en-US" sz="4800" dirty="0">
                 <a:latin typeface="Comic Sans MS" pitchFamily="8" charset="0"/>
               </a:rPr>
-              <a:t>graph (</a:t>
+              <a:t>(</a:t>
             </a:r>
             <a:r>
               <a:rPr lang="en-US" sz="4800" dirty="0">
@@ -10244,8 +10410,17 @@
               <a:rPr lang="en-US" sz="4800" dirty="0">
                 <a:latin typeface="Comic Sans MS" pitchFamily="8" charset="0"/>
               </a:rPr>
-              <a:t>none in </a:t>
-            </a:r>
+              <a:t>none </a:t>
+            </a:r>
+            <a:r>
+              <a:rPr lang="en-US" sz="4800" dirty="0" smtClean="0">
+                <a:latin typeface="Comic Sans MS" pitchFamily="8" charset="0"/>
+              </a:rPr>
+              <a:t>in</a:t>
+            </a:r>
+            <a:endParaRPr lang="en-US" sz="4800" dirty="0">
+              <a:latin typeface="Comic Sans MS" pitchFamily="8" charset="0"/>
+            </a:endParaRPr>
           </a:p>
         </p:txBody>
       </p:sp>
@@ -10258,25 +10433,25 @@
           <p:nvPr>
             <p:extLst>
               <p:ext uri="{D42A27DB-BD31-4B8C-83A1-F6EECF244321}">
-                <p14:modId xmlns:p14="http://schemas.microsoft.com/office/powerpoint/2010/main" val="2902859266"/>
+                <p14:modId xmlns:p14="http://schemas.microsoft.com/office/powerpoint/2010/main" val="1608559740"/>
               </p:ext>
             </p:extLst>
           </p:nvPr>
         </p:nvGraphicFramePr>
         <p:xfrm>
-          <a:off x="4897438" y="5461000"/>
-          <a:ext cx="2892425" cy="1019175"/>
+          <a:off x="4186703" y="5343525"/>
+          <a:ext cx="2835275" cy="1323975"/>
         </p:xfrm>
         <a:graphic>
           <a:graphicData uri="http://schemas.openxmlformats.org/presentationml/2006/ole">
             <mc:AlternateContent xmlns:mc="http://schemas.openxmlformats.org/markup-compatibility/2006">
               <mc:Choice xmlns:v="urn:schemas-microsoft-com:vml" Requires="v">
-                <p:oleObj spid="_x0000_s6182" name="Equation" r:id="rId4" imgW="635000" imgH="254000" progId="Equation.DSMT4">
+                <p:oleObj spid="_x0000_s6189" name="Equation" r:id="rId4" imgW="622300" imgH="330200" progId="Equation.DSMT4">
                   <p:embed/>
                 </p:oleObj>
               </mc:Choice>
               <mc:Fallback>
-                <p:oleObj name="Equation" r:id="rId4" imgW="635000" imgH="254000" progId="Equation.DSMT4">
+                <p:oleObj name="Equation" r:id="rId4" imgW="622300" imgH="330200" progId="Equation.DSMT4">
                   <p:embed/>
                   <p:pic>
                     <p:nvPicPr>
@@ -10295,8 +10470,8 @@
                     </p:blipFill>
                     <p:spPr bwMode="auto">
                       <a:xfrm>
-                        <a:off x="4897438" y="5461000"/>
-                        <a:ext cx="2892425" cy="1019175"/>
+                        <a:off x="4186703" y="5343525"/>
+                        <a:ext cx="2835275" cy="1323975"/>
                       </a:xfrm>
                       <a:prstGeom prst="rect">
                         <a:avLst/>
@@ -10769,25 +10944,25 @@
           <p:nvPr>
             <p:extLst>
               <p:ext uri="{D42A27DB-BD31-4B8C-83A1-F6EECF244321}">
-                <p14:modId xmlns:p14="http://schemas.microsoft.com/office/powerpoint/2010/main" val="2731525940"/>
+                <p14:modId xmlns:p14="http://schemas.microsoft.com/office/powerpoint/2010/main" val="1922150772"/>
               </p:ext>
             </p:extLst>
           </p:nvPr>
         </p:nvGraphicFramePr>
         <p:xfrm>
-          <a:off x="5457296" y="1817864"/>
-          <a:ext cx="3429000" cy="1223963"/>
+          <a:off x="5256317" y="1783008"/>
+          <a:ext cx="3360737" cy="1590675"/>
         </p:xfrm>
         <a:graphic>
           <a:graphicData uri="http://schemas.openxmlformats.org/presentationml/2006/ole">
             <mc:AlternateContent xmlns:mc="http://schemas.openxmlformats.org/markup-compatibility/2006">
               <mc:Choice xmlns:v="urn:schemas-microsoft-com:vml" Requires="v">
-                <p:oleObj spid="_x0000_s16402" name="Equation" r:id="rId4" imgW="635000" imgH="254000" progId="Equation.DSMT4">
+                <p:oleObj spid="_x0000_s16409" name="Equation" r:id="rId4" imgW="622300" imgH="330200" progId="Equation.DSMT4">
                   <p:embed/>
                 </p:oleObj>
               </mc:Choice>
               <mc:Fallback>
-                <p:oleObj name="Equation" r:id="rId4" imgW="635000" imgH="254000" progId="Equation.DSMT4">
+                <p:oleObj name="Equation" r:id="rId4" imgW="622300" imgH="330200" progId="Equation.DSMT4">
                   <p:embed/>
                   <p:pic>
                     <p:nvPicPr>
@@ -10806,8 +10981,8 @@
                     </p:blipFill>
                     <p:spPr bwMode="auto">
                       <a:xfrm>
-                        <a:off x="5457296" y="1817864"/>
-                        <a:ext cx="3429000" cy="1223963"/>
+                        <a:off x="5256317" y="1783008"/>
+                        <a:ext cx="3360737" cy="1590675"/>
                       </a:xfrm>
                       <a:prstGeom prst="rect">
                         <a:avLst/>
@@ -10955,7 +11130,7 @@
         <p:spPr bwMode="auto">
           <a:xfrm>
             <a:off x="324556" y="929747"/>
-            <a:ext cx="8565443" cy="5078313"/>
+            <a:ext cx="8565443" cy="6001643"/>
           </a:xfrm>
           <a:prstGeom prst="rect">
             <a:avLst/>
@@ -11046,20 +11221,31 @@
               <a:rPr lang="en-US" sz="6000" dirty="0" smtClean="0">
                 <a:latin typeface="Comic Sans MS" pitchFamily="8" charset="0"/>
               </a:rPr>
-              <a:t>separately.  </a:t>
-            </a:r>
-            <a:r>
-              <a:rPr lang="en-US" sz="6000" dirty="0" err="1" smtClean="0">
+              <a:t>separately. </a:t>
+            </a:r>
+            <a:r>
+              <a:rPr lang="en-US" sz="6000" dirty="0">
+                <a:latin typeface="Comic Sans MS" pitchFamily="8" charset="0"/>
+              </a:rPr>
+              <a:t> </a:t>
+            </a:r>
+            <a:r>
+              <a:rPr lang="en-US" sz="6000" dirty="0" err="1">
                 <a:latin typeface="Comic Sans MS" pitchFamily="8" charset="0"/>
               </a:rPr>
               <a:t>Matchings</a:t>
             </a:r>
             <a:r>
-              <a:rPr lang="en-US" sz="6000" dirty="0" smtClean="0">
+              <a:rPr lang="en-US" sz="6000" dirty="0">
                 <a:latin typeface="Comic Sans MS" pitchFamily="8" charset="0"/>
               </a:rPr>
               <a:t> don’t overlap, so union is a complete matching.</a:t>
             </a:r>
+          </a:p>
+          <a:p>
+            <a:pPr>
+              <a:buNone/>
+            </a:pPr>
             <a:endParaRPr lang="en-US" sz="6000" dirty="0">
               <a:latin typeface="Comic Sans MS" pitchFamily="8" charset="0"/>
             </a:endParaRPr>
@@ -11075,25 +11261,25 @@
           <p:nvPr>
             <p:extLst>
               <p:ext uri="{D42A27DB-BD31-4B8C-83A1-F6EECF244321}">
-                <p14:modId xmlns:p14="http://schemas.microsoft.com/office/powerpoint/2010/main" val="2541199010"/>
+                <p14:modId xmlns:p14="http://schemas.microsoft.com/office/powerpoint/2010/main" val="1153558821"/>
               </p:ext>
             </p:extLst>
           </p:nvPr>
         </p:nvGraphicFramePr>
         <p:xfrm>
-          <a:off x="5457296" y="1817864"/>
-          <a:ext cx="3429000" cy="1223963"/>
+          <a:off x="5256317" y="1783008"/>
+          <a:ext cx="3360737" cy="1590675"/>
         </p:xfrm>
         <a:graphic>
           <a:graphicData uri="http://schemas.openxmlformats.org/presentationml/2006/ole">
             <mc:AlternateContent xmlns:mc="http://schemas.openxmlformats.org/markup-compatibility/2006">
               <mc:Choice xmlns:v="urn:schemas-microsoft-com:vml" Requires="v">
-                <p:oleObj spid="_x0000_s17426" name="Equation" r:id="rId4" imgW="635000" imgH="254000" progId="Equation.DSMT4">
+                <p:oleObj spid="_x0000_s29702" name="Equation" r:id="rId4" imgW="622300" imgH="330200" progId="Equation.DSMT4">
                   <p:embed/>
                 </p:oleObj>
               </mc:Choice>
               <mc:Fallback>
-                <p:oleObj name="Equation" r:id="rId4" imgW="635000" imgH="254000" progId="Equation.DSMT4">
+                <p:oleObj name="Equation" r:id="rId4" imgW="622300" imgH="330200" progId="Equation.DSMT4">
                   <p:embed/>
                   <p:pic>
                     <p:nvPicPr>
@@ -11112,8 +11298,8 @@
                     </p:blipFill>
                     <p:spPr bwMode="auto">
                       <a:xfrm>
-                        <a:off x="5457296" y="1817864"/>
-                        <a:ext cx="3429000" cy="1223963"/>
+                        <a:off x="5256317" y="1783008"/>
+                        <a:ext cx="3360737" cy="1590675"/>
                       </a:xfrm>
                       <a:prstGeom prst="rect">
                         <a:avLst/>
@@ -11204,7 +11390,7 @@
     </p:spTree>
     <p:extLst>
       <p:ext uri="{BB962C8B-B14F-4D97-AF65-F5344CB8AC3E}">
-        <p14:creationId xmlns:p14="http://schemas.microsoft.com/office/powerpoint/2010/main" val="1821186380"/>
+        <p14:creationId xmlns:p14="http://schemas.microsoft.com/office/powerpoint/2010/main" val="2870042225"/>
       </p:ext>
     </p:extLst>
   </p:cSld>
@@ -11633,7 +11819,7 @@
         <p:spPr bwMode="auto">
           <a:xfrm>
             <a:off x="366713" y="1127125"/>
-            <a:ext cx="8382000" cy="4321183"/>
+            <a:ext cx="8382000" cy="3434787"/>
           </a:xfrm>
           <a:prstGeom prst="rect">
             <a:avLst/>
@@ -11799,20 +11985,15 @@
               </a:rPr>
               <a:t>b</a:t>
             </a:r>
-          </a:p>
-          <a:p>
-            <a:pPr>
-              <a:buNone/>
-            </a:pPr>
             <a:r>
               <a:rPr lang="en-US" sz="4800" dirty="0" smtClean="0">
-                <a:latin typeface="Comic Sans MS" pitchFamily="8" charset="0"/>
-              </a:rPr>
-              <a:t>(in fact, at least 2 boys).</a:t>
-            </a:r>
-            <a:endParaRPr lang="en-US" sz="4800" dirty="0">
-              <a:latin typeface="Comic Sans MS" pitchFamily="8" charset="0"/>
-            </a:endParaRPr>
+                <a:solidFill>
+                  <a:srgbClr val="000000"/>
+                </a:solidFill>
+                <a:latin typeface="Comic Sans MS" pitchFamily="8" charset="0"/>
+              </a:rPr>
+              <a:t>.</a:t>
+            </a:r>
           </a:p>
         </p:txBody>
       </p:sp>
@@ -11906,91 +12087,7 @@
   <p:timing>
     <p:tnLst>
       <p:par>
-        <p:cTn xmlns:p14="http://schemas.microsoft.com/office/powerpoint/2010/main" id="1" dur="indefinite" restart="never" nodeType="tmRoot">
-          <p:childTnLst>
-            <p:seq concurrent="1" nextAc="seek">
-              <p:cTn id="2" dur="indefinite" nodeType="mainSeq">
-                <p:childTnLst>
-                  <p:par>
-                    <p:cTn id="3" fill="hold">
-                      <p:stCondLst>
-                        <p:cond delay="indefinite"/>
-                      </p:stCondLst>
-                      <p:childTnLst>
-                        <p:par>
-                          <p:cTn id="4" fill="hold">
-                            <p:stCondLst>
-                              <p:cond delay="0"/>
-                            </p:stCondLst>
-                            <p:childTnLst>
-                              <p:par>
-                                <p:cTn id="5" presetID="10" presetClass="entr" presetSubtype="0" fill="hold" nodeType="clickEffect">
-                                  <p:stCondLst>
-                                    <p:cond delay="0"/>
-                                  </p:stCondLst>
-                                  <p:childTnLst>
-                                    <p:set>
-                                      <p:cBhvr>
-                                        <p:cTn id="6" dur="1" fill="hold">
-                                          <p:stCondLst>
-                                            <p:cond delay="0"/>
-                                          </p:stCondLst>
-                                        </p:cTn>
-                                        <p:tgtEl>
-                                          <p:spTgt spid="283651">
-                                            <p:txEl>
-                                              <p:pRg st="3" end="3"/>
-                                            </p:txEl>
-                                          </p:spTgt>
-                                        </p:tgtEl>
-                                        <p:attrNameLst>
-                                          <p:attrName>style.visibility</p:attrName>
-                                        </p:attrNameLst>
-                                      </p:cBhvr>
-                                      <p:to>
-                                        <p:strVal val="visible"/>
-                                      </p:to>
-                                    </p:set>
-                                    <p:animEffect transition="in" filter="fade">
-                                      <p:cBhvr>
-                                        <p:cTn id="7" dur="500"/>
-                                        <p:tgtEl>
-                                          <p:spTgt spid="283651">
-                                            <p:txEl>
-                                              <p:pRg st="3" end="3"/>
-                                            </p:txEl>
-                                          </p:spTgt>
-                                        </p:tgtEl>
-                                      </p:cBhvr>
-                                    </p:animEffect>
-                                  </p:childTnLst>
-                                </p:cTn>
-                              </p:par>
-                            </p:childTnLst>
-                          </p:cTn>
-                        </p:par>
-                      </p:childTnLst>
-                    </p:cTn>
-                  </p:par>
-                </p:childTnLst>
-              </p:cTn>
-              <p:prevCondLst>
-                <p:cond evt="onPrev" delay="0">
-                  <p:tgtEl>
-                    <p:sldTgt/>
-                  </p:tgtEl>
-                </p:cond>
-              </p:prevCondLst>
-              <p:nextCondLst>
-                <p:cond evt="onNext" delay="0">
-                  <p:tgtEl>
-                    <p:sldTgt/>
-                  </p:tgtEl>
-                </p:cond>
-              </p:nextCondLst>
-            </p:seq>
-          </p:childTnLst>
-        </p:cTn>
+        <p:cTn xmlns:p14="http://schemas.microsoft.com/office/powerpoint/2010/main" id="1" dur="indefinite" restart="never" nodeType="tmRoot"/>
       </p:par>
     </p:tnLst>
   </p:timing>
@@ -12990,7 +13087,7 @@
             </a:pPr>
             <a:r>
               <a:rPr lang="en-US" sz="4800" dirty="0" smtClean="0"/>
-              <a:t>Hall graph </a:t>
+              <a:t>Bipartite graph </a:t>
             </a:r>
             <a:r>
               <a:rPr lang="en-US" sz="4800" dirty="0" smtClean="0">
@@ -13226,7 +13323,7 @@
                                           </p:stCondLst>
                                         </p:cTn>
                                         <p:tgtEl>
-                                          <p:spTgt spid="43015"/>
+                                          <p:spTgt spid="30"/>
                                         </p:tgtEl>
                                         <p:attrNameLst>
                                           <p:attrName>style.visibility</p:attrName>
@@ -13240,7 +13337,7 @@
                                       <p:cBhvr>
                                         <p:cTn id="12" dur="500"/>
                                         <p:tgtEl>
-                                          <p:spTgt spid="43015"/>
+                                          <p:spTgt spid="30"/>
                                         </p:tgtEl>
                                       </p:cBhvr>
                                     </p:animEffect>
@@ -13266,7 +13363,7 @@
                             </p:stCondLst>
                             <p:childTnLst>
                               <p:par>
-                                <p:cTn id="15" presetID="10" presetClass="entr" presetSubtype="0" fill="hold" grpId="0" nodeType="clickEffect">
+                                <p:cTn id="15" presetID="22" presetClass="entr" presetSubtype="8" fill="hold" nodeType="clickEffect">
                                   <p:stCondLst>
                                     <p:cond delay="0"/>
                                   </p:stCondLst>
@@ -13274,112 +13371,6 @@
                                     <p:set>
                                       <p:cBhvr>
                                         <p:cTn id="16" dur="1" fill="hold">
-                                          <p:stCondLst>
-                                            <p:cond delay="0"/>
-                                          </p:stCondLst>
-                                        </p:cTn>
-                                        <p:tgtEl>
-                                          <p:spTgt spid="30"/>
-                                        </p:tgtEl>
-                                        <p:attrNameLst>
-                                          <p:attrName>style.visibility</p:attrName>
-                                        </p:attrNameLst>
-                                      </p:cBhvr>
-                                      <p:to>
-                                        <p:strVal val="visible"/>
-                                      </p:to>
-                                    </p:set>
-                                    <p:animEffect transition="in" filter="fade">
-                                      <p:cBhvr>
-                                        <p:cTn id="17" dur="500"/>
-                                        <p:tgtEl>
-                                          <p:spTgt spid="30"/>
-                                        </p:tgtEl>
-                                      </p:cBhvr>
-                                    </p:animEffect>
-                                  </p:childTnLst>
-                                </p:cTn>
-                              </p:par>
-                            </p:childTnLst>
-                          </p:cTn>
-                        </p:par>
-                      </p:childTnLst>
-                    </p:cTn>
-                  </p:par>
-                  <p:par>
-                    <p:cTn id="18" fill="hold">
-                      <p:stCondLst>
-                        <p:cond delay="indefinite"/>
-                      </p:stCondLst>
-                      <p:childTnLst>
-                        <p:par>
-                          <p:cTn id="19" fill="hold">
-                            <p:stCondLst>
-                              <p:cond delay="0"/>
-                            </p:stCondLst>
-                            <p:childTnLst>
-                              <p:par>
-                                <p:cTn id="20" presetID="10" presetClass="entr" presetSubtype="0" fill="hold" grpId="0" nodeType="clickEffect">
-                                  <p:stCondLst>
-                                    <p:cond delay="0"/>
-                                  </p:stCondLst>
-                                  <p:childTnLst>
-                                    <p:set>
-                                      <p:cBhvr>
-                                        <p:cTn id="21" dur="1" fill="hold">
-                                          <p:stCondLst>
-                                            <p:cond delay="0"/>
-                                          </p:stCondLst>
-                                        </p:cTn>
-                                        <p:tgtEl>
-                                          <p:spTgt spid="43021"/>
-                                        </p:tgtEl>
-                                        <p:attrNameLst>
-                                          <p:attrName>style.visibility</p:attrName>
-                                        </p:attrNameLst>
-                                      </p:cBhvr>
-                                      <p:to>
-                                        <p:strVal val="visible"/>
-                                      </p:to>
-                                    </p:set>
-                                    <p:animEffect transition="in" filter="fade">
-                                      <p:cBhvr>
-                                        <p:cTn id="22" dur="500"/>
-                                        <p:tgtEl>
-                                          <p:spTgt spid="43021"/>
-                                        </p:tgtEl>
-                                      </p:cBhvr>
-                                    </p:animEffect>
-                                  </p:childTnLst>
-                                </p:cTn>
-                              </p:par>
-                            </p:childTnLst>
-                          </p:cTn>
-                        </p:par>
-                      </p:childTnLst>
-                    </p:cTn>
-                  </p:par>
-                  <p:par>
-                    <p:cTn id="23" fill="hold">
-                      <p:stCondLst>
-                        <p:cond delay="indefinite"/>
-                      </p:stCondLst>
-                      <p:childTnLst>
-                        <p:par>
-                          <p:cTn id="24" fill="hold">
-                            <p:stCondLst>
-                              <p:cond delay="0"/>
-                            </p:stCondLst>
-                            <p:childTnLst>
-                              <p:par>
-                                <p:cTn id="25" presetID="22" presetClass="entr" presetSubtype="8" fill="hold" nodeType="clickEffect">
-                                  <p:stCondLst>
-                                    <p:cond delay="0"/>
-                                  </p:stCondLst>
-                                  <p:childTnLst>
-                                    <p:set>
-                                      <p:cBhvr>
-                                        <p:cTn id="26" dur="1" fill="hold">
                                           <p:stCondLst>
                                             <p:cond delay="0"/>
                                           </p:stCondLst>
@@ -13397,7 +13388,7 @@
                                     </p:set>
                                     <p:animEffect transition="in" filter="wipe(left)">
                                       <p:cBhvr>
-                                        <p:cTn id="27" dur="1000"/>
+                                        <p:cTn id="17" dur="1000"/>
                                         <p:tgtEl>
                                           <p:spTgt spid="28"/>
                                         </p:tgtEl>
@@ -13410,20 +13401,20 @@
                           </p:cTn>
                         </p:par>
                         <p:par>
-                          <p:cTn id="28" fill="hold">
+                          <p:cTn id="18" fill="hold">
                             <p:stCondLst>
                               <p:cond delay="1000"/>
                             </p:stCondLst>
                             <p:childTnLst>
                               <p:par>
-                                <p:cTn id="29" presetID="10" presetClass="entr" presetSubtype="0" fill="hold" grpId="0" nodeType="afterEffect">
+                                <p:cTn id="19" presetID="10" presetClass="entr" presetSubtype="0" fill="hold" grpId="0" nodeType="afterEffect">
                                   <p:stCondLst>
                                     <p:cond delay="0"/>
                                   </p:stCondLst>
                                   <p:childTnLst>
                                     <p:set>
                                       <p:cBhvr>
-                                        <p:cTn id="30" dur="1" fill="hold">
+                                        <p:cTn id="20" dur="1" fill="hold">
                                           <p:stCondLst>
                                             <p:cond delay="0"/>
                                           </p:stCondLst>
@@ -13441,7 +13432,7 @@
                                     </p:set>
                                     <p:animEffect transition="in" filter="fade">
                                       <p:cBhvr>
-                                        <p:cTn id="31" dur="500"/>
+                                        <p:cTn id="21" dur="500"/>
                                         <p:tgtEl>
                                           <p:spTgt spid="31"/>
                                         </p:tgtEl>
@@ -13478,8 +13469,6 @@
       </p:par>
     </p:tnLst>
     <p:bldLst>
-      <p:bldP spid="43015" grpId="0"/>
-      <p:bldP spid="43021" grpId="0"/>
       <p:bldP spid="2" grpId="0"/>
       <p:bldP spid="30" grpId="0"/>
       <p:bldP spid="31" grpId="0"/>
@@ -14850,7 +14839,129 @@
       </p:sp>
       <p:sp>
         <p:nvSpPr>
-          <p:cNvPr id="29" name="Rectangle 3"/>
+          <p:cNvPr id="3" name="TextBox 2"/>
+          <p:cNvSpPr txBox="1"/>
+          <p:nvPr/>
+        </p:nvSpPr>
+        <p:spPr>
+          <a:xfrm>
+            <a:off x="780468" y="1150681"/>
+            <a:ext cx="7644228" cy="4579715"/>
+          </a:xfrm>
+          <a:prstGeom prst="rect">
+            <a:avLst/>
+          </a:prstGeom>
+          <a:noFill/>
+        </p:spPr>
+        <p:txBody>
+          <a:bodyPr wrap="none" rtlCol="0">
+            <a:spAutoFit/>
+          </a:bodyPr>
+          <a:lstStyle/>
+          <a:p>
+            <a:pPr>
+              <a:buNone/>
+            </a:pPr>
+            <a:r>
+              <a:rPr lang="en-US" sz="5400" dirty="0" smtClean="0"/>
+              <a:t>A </a:t>
+            </a:r>
+            <a:r>
+              <a:rPr lang="en-US" sz="5400" dirty="0" smtClean="0">
+                <a:solidFill>
+                  <a:srgbClr val="0000FF"/>
+                </a:solidFill>
+              </a:rPr>
+              <a:t>match </a:t>
+            </a:r>
+            <a:r>
+              <a:rPr lang="en-US" sz="5400" dirty="0" smtClean="0">
+                <a:solidFill>
+                  <a:schemeClr val="tx2"/>
+                </a:solidFill>
+              </a:rPr>
+              <a:t>is a</a:t>
+            </a:r>
+          </a:p>
+          <a:p>
+            <a:pPr>
+              <a:buNone/>
+            </a:pPr>
+            <a:r>
+              <a:rPr lang="en-US" sz="5400" dirty="0" smtClean="0">
+                <a:solidFill>
+                  <a:srgbClr val="9F009F"/>
+                </a:solidFill>
+              </a:rPr>
+              <a:t>total injective function</a:t>
+            </a:r>
+          </a:p>
+          <a:p>
+            <a:pPr algn="ctr">
+              <a:spcAft>
+                <a:spcPts val="0"/>
+              </a:spcAft>
+              <a:buNone/>
+            </a:pPr>
+            <a:r>
+              <a:rPr lang="en-US" sz="7200" dirty="0" smtClean="0">
+                <a:solidFill>
+                  <a:srgbClr val="0000FF"/>
+                </a:solidFill>
+              </a:rPr>
+              <a:t>   </a:t>
+            </a:r>
+            <a:r>
+              <a:rPr lang="en-US" sz="7200" dirty="0" err="1" smtClean="0">
+                <a:solidFill>
+                  <a:srgbClr val="9F009F"/>
+                </a:solidFill>
+              </a:rPr>
+              <a:t>m</a:t>
+            </a:r>
+            <a:r>
+              <a:rPr lang="en-US" sz="7200" dirty="0" err="1" smtClean="0">
+                <a:solidFill>
+                  <a:srgbClr val="0000FF"/>
+                </a:solidFill>
+              </a:rPr>
+              <a:t>:L</a:t>
+            </a:r>
+            <a:r>
+              <a:rPr lang="en-US" sz="7200" dirty="0" smtClean="0">
+                <a:solidFill>
+                  <a:srgbClr val="0000FF"/>
+                </a:solidFill>
+              </a:rPr>
+              <a:t>(H)→R(H)</a:t>
+            </a:r>
+            <a:endParaRPr lang="en-US" sz="7200" dirty="0" smtClean="0">
+              <a:solidFill>
+                <a:srgbClr val="0000FF"/>
+              </a:solidFill>
+            </a:endParaRPr>
+          </a:p>
+          <a:p>
+            <a:pPr algn="ctr">
+              <a:spcAft>
+                <a:spcPts val="0"/>
+              </a:spcAft>
+              <a:buNone/>
+            </a:pPr>
+            <a:r>
+              <a:rPr lang="en-US" sz="7200" dirty="0" smtClean="0"/>
+              <a:t> </a:t>
+            </a:r>
+            <a:r>
+              <a:rPr lang="en-US" sz="6000" dirty="0" smtClean="0"/>
+              <a:t>that follows edges</a:t>
+            </a:r>
+          </a:p>
+        </p:txBody>
+      </p:sp>
+      <p:sp>
+        <p:nvSpPr>
+          <p:cNvPr id="6" name="Rectangle 3"/>
           <p:cNvSpPr txBox="1">
             <a:spLocks noChangeArrowheads="1"/>
           </p:cNvSpPr>
@@ -15014,130 +15125,13 @@
             </a:pPr>
             <a:r>
               <a:rPr lang="en-US" sz="4800" dirty="0" smtClean="0"/>
-              <a:t>Hall graph </a:t>
-            </a:r>
-            <a:r>
-              <a:rPr lang="en-US" sz="4800" dirty="0" smtClean="0">
-                <a:solidFill>
-                  <a:srgbClr val="0000FF"/>
-                </a:solidFill>
-              </a:rPr>
-              <a:t>H</a:t>
-            </a:r>
-          </a:p>
-        </p:txBody>
-      </p:sp>
-      <p:sp>
-        <p:nvSpPr>
-          <p:cNvPr id="3" name="TextBox 2"/>
-          <p:cNvSpPr txBox="1"/>
-          <p:nvPr/>
-        </p:nvSpPr>
-        <p:spPr>
-          <a:xfrm>
-            <a:off x="928334" y="1150681"/>
-            <a:ext cx="7644228" cy="4579715"/>
-          </a:xfrm>
-          <a:prstGeom prst="rect">
-            <a:avLst/>
-          </a:prstGeom>
-          <a:noFill/>
-        </p:spPr>
-        <p:txBody>
-          <a:bodyPr wrap="none" rtlCol="0">
-            <a:spAutoFit/>
-          </a:bodyPr>
-          <a:lstStyle/>
-          <a:p>
-            <a:pPr>
-              <a:buNone/>
-            </a:pPr>
-            <a:r>
-              <a:rPr lang="en-US" sz="5400" dirty="0" smtClean="0"/>
-              <a:t>A </a:t>
-            </a:r>
-            <a:r>
-              <a:rPr lang="en-US" sz="5400" dirty="0" smtClean="0">
-                <a:solidFill>
-                  <a:srgbClr val="0000FF"/>
-                </a:solidFill>
-              </a:rPr>
-              <a:t>match </a:t>
-            </a:r>
-            <a:r>
-              <a:rPr lang="en-US" sz="5400" dirty="0" smtClean="0">
-                <a:solidFill>
-                  <a:schemeClr val="tx2"/>
-                </a:solidFill>
-              </a:rPr>
-              <a:t>is a</a:t>
-            </a:r>
-          </a:p>
-          <a:p>
-            <a:pPr>
-              <a:buNone/>
-            </a:pPr>
-            <a:r>
-              <a:rPr lang="en-US" sz="5400" dirty="0" smtClean="0">
-                <a:solidFill>
-                  <a:srgbClr val="9F009F"/>
-                </a:solidFill>
-              </a:rPr>
-              <a:t>total injective function</a:t>
-            </a:r>
-          </a:p>
-          <a:p>
-            <a:pPr algn="ctr">
-              <a:spcAft>
-                <a:spcPts val="0"/>
-              </a:spcAft>
-              <a:buNone/>
-            </a:pPr>
-            <a:r>
-              <a:rPr lang="en-US" sz="7200" dirty="0" smtClean="0">
-                <a:solidFill>
-                  <a:srgbClr val="0000FF"/>
-                </a:solidFill>
-              </a:rPr>
-              <a:t>        </a:t>
-            </a:r>
-            <a:r>
-              <a:rPr lang="en-US" sz="7200" dirty="0" err="1" smtClean="0">
-                <a:solidFill>
-                  <a:srgbClr val="9F009F"/>
-                </a:solidFill>
-              </a:rPr>
-              <a:t>m</a:t>
-            </a:r>
-            <a:r>
-              <a:rPr lang="en-US" sz="7200" dirty="0" err="1" smtClean="0">
-                <a:solidFill>
-                  <a:srgbClr val="0000FF"/>
-                </a:solidFill>
-              </a:rPr>
-              <a:t>:G→B</a:t>
-            </a:r>
-            <a:endParaRPr lang="en-US" sz="7200" dirty="0" smtClean="0">
+              <a:t>Bipartite match</a:t>
+            </a:r>
+            <a:endParaRPr lang="en-US" sz="4800" dirty="0" smtClean="0">
               <a:solidFill>
                 <a:srgbClr val="0000FF"/>
               </a:solidFill>
             </a:endParaRPr>
-          </a:p>
-          <a:p>
-            <a:pPr algn="ctr">
-              <a:spcAft>
-                <a:spcPts val="0"/>
-              </a:spcAft>
-              <a:buNone/>
-            </a:pPr>
-            <a:r>
-              <a:rPr lang="en-US" sz="7200" dirty="0" smtClean="0"/>
-              <a:t> </a:t>
-            </a:r>
-            <a:r>
-              <a:rPr lang="en-US" sz="6000" dirty="0" smtClean="0"/>
-              <a:t>that follows edges</a:t>
-            </a:r>
           </a:p>
         </p:txBody>
       </p:sp>
@@ -15435,7 +15429,126 @@
       </p:sp>
       <p:sp>
         <p:nvSpPr>
-          <p:cNvPr id="29" name="Rectangle 3"/>
+          <p:cNvPr id="3" name="TextBox 2"/>
+          <p:cNvSpPr txBox="1"/>
+          <p:nvPr/>
+        </p:nvSpPr>
+        <p:spPr>
+          <a:xfrm>
+            <a:off x="780468" y="1150681"/>
+            <a:ext cx="7644228" cy="4579715"/>
+          </a:xfrm>
+          <a:prstGeom prst="rect">
+            <a:avLst/>
+          </a:prstGeom>
+          <a:noFill/>
+        </p:spPr>
+        <p:txBody>
+          <a:bodyPr wrap="none" rtlCol="0">
+            <a:spAutoFit/>
+          </a:bodyPr>
+          <a:lstStyle/>
+          <a:p>
+            <a:pPr>
+              <a:buNone/>
+            </a:pPr>
+            <a:r>
+              <a:rPr lang="en-US" sz="5400" dirty="0" smtClean="0"/>
+              <a:t>A </a:t>
+            </a:r>
+            <a:r>
+              <a:rPr lang="en-US" sz="5400" dirty="0" smtClean="0">
+                <a:solidFill>
+                  <a:srgbClr val="0000FF"/>
+                </a:solidFill>
+              </a:rPr>
+              <a:t>match </a:t>
+            </a:r>
+            <a:r>
+              <a:rPr lang="en-US" sz="5400" dirty="0" smtClean="0">
+                <a:solidFill>
+                  <a:schemeClr val="tx2"/>
+                </a:solidFill>
+              </a:rPr>
+              <a:t>is a</a:t>
+            </a:r>
+          </a:p>
+          <a:p>
+            <a:pPr>
+              <a:buNone/>
+            </a:pPr>
+            <a:r>
+              <a:rPr lang="en-US" sz="5400" dirty="0" smtClean="0">
+                <a:solidFill>
+                  <a:srgbClr val="9F009F"/>
+                </a:solidFill>
+              </a:rPr>
+              <a:t>total injective function</a:t>
+            </a:r>
+          </a:p>
+          <a:p>
+            <a:pPr algn="ctr">
+              <a:spcAft>
+                <a:spcPts val="0"/>
+              </a:spcAft>
+              <a:buNone/>
+            </a:pPr>
+            <a:r>
+              <a:rPr lang="en-US" sz="7200" dirty="0" smtClean="0">
+                <a:solidFill>
+                  <a:srgbClr val="0000FF"/>
+                </a:solidFill>
+              </a:rPr>
+              <a:t>   </a:t>
+            </a:r>
+            <a:r>
+              <a:rPr lang="en-US" sz="7200" dirty="0" err="1" smtClean="0">
+                <a:solidFill>
+                  <a:srgbClr val="9F009F"/>
+                </a:solidFill>
+              </a:rPr>
+              <a:t>m</a:t>
+            </a:r>
+            <a:r>
+              <a:rPr lang="en-US" sz="7200" dirty="0" err="1" smtClean="0">
+                <a:solidFill>
+                  <a:srgbClr val="0000FF"/>
+                </a:solidFill>
+              </a:rPr>
+              <a:t>:L</a:t>
+            </a:r>
+            <a:r>
+              <a:rPr lang="en-US" sz="7200" dirty="0" smtClean="0">
+                <a:solidFill>
+                  <a:srgbClr val="0000FF"/>
+                </a:solidFill>
+              </a:rPr>
+              <a:t>(H)→R(H)</a:t>
+            </a:r>
+            <a:endParaRPr lang="en-US" sz="7200" dirty="0" smtClean="0">
+              <a:solidFill>
+                <a:srgbClr val="0000FF"/>
+              </a:solidFill>
+            </a:endParaRPr>
+          </a:p>
+          <a:p>
+            <a:pPr algn="ctr">
+              <a:spcAft>
+                <a:spcPts val="0"/>
+              </a:spcAft>
+              <a:buNone/>
+            </a:pPr>
+            <a:r>
+              <a:rPr lang="en-US" sz="7200" dirty="0" smtClean="0"/>
+              <a:t> </a:t>
+            </a:r>
+            <a:endParaRPr lang="en-US" sz="6000" dirty="0" smtClean="0"/>
+          </a:p>
+        </p:txBody>
+      </p:sp>
+      <p:sp>
+        <p:nvSpPr>
+          <p:cNvPr id="6" name="Rectangle 3"/>
           <p:cNvSpPr txBox="1">
             <a:spLocks noChangeArrowheads="1"/>
           </p:cNvSpPr>
@@ -15599,151 +15712,44 @@
             </a:pPr>
             <a:r>
               <a:rPr lang="en-US" sz="4800" dirty="0" smtClean="0"/>
-              <a:t>Hall graph </a:t>
-            </a:r>
-            <a:r>
-              <a:rPr lang="en-US" sz="4800" dirty="0" smtClean="0">
-                <a:solidFill>
-                  <a:srgbClr val="0000FF"/>
-                </a:solidFill>
-              </a:rPr>
-              <a:t>H</a:t>
-            </a:r>
-          </a:p>
-        </p:txBody>
-      </p:sp>
-      <p:sp>
-        <p:nvSpPr>
-          <p:cNvPr id="3" name="TextBox 2"/>
-          <p:cNvSpPr txBox="1"/>
-          <p:nvPr/>
-        </p:nvSpPr>
-        <p:spPr>
-          <a:xfrm>
-            <a:off x="928334" y="1150681"/>
-            <a:ext cx="7644228" cy="4579715"/>
-          </a:xfrm>
-          <a:prstGeom prst="rect">
-            <a:avLst/>
-          </a:prstGeom>
-          <a:noFill/>
-        </p:spPr>
-        <p:txBody>
-          <a:bodyPr wrap="none" rtlCol="0">
-            <a:spAutoFit/>
-          </a:bodyPr>
-          <a:lstStyle/>
-          <a:p>
-            <a:pPr>
-              <a:buNone/>
-            </a:pPr>
-            <a:r>
-              <a:rPr lang="en-US" sz="5400" dirty="0" smtClean="0"/>
-              <a:t>A </a:t>
-            </a:r>
-            <a:r>
-              <a:rPr lang="en-US" sz="5400" dirty="0" smtClean="0">
-                <a:solidFill>
-                  <a:srgbClr val="0000FF"/>
-                </a:solidFill>
-              </a:rPr>
-              <a:t>match </a:t>
-            </a:r>
-            <a:r>
-              <a:rPr lang="en-US" sz="5400" dirty="0" smtClean="0">
-                <a:solidFill>
-                  <a:schemeClr val="tx2"/>
-                </a:solidFill>
-              </a:rPr>
-              <a:t>is a</a:t>
-            </a:r>
-          </a:p>
-          <a:p>
-            <a:pPr>
-              <a:buNone/>
-            </a:pPr>
-            <a:r>
-              <a:rPr lang="en-US" sz="5400" dirty="0" smtClean="0">
-                <a:solidFill>
-                  <a:srgbClr val="9F009F"/>
-                </a:solidFill>
-              </a:rPr>
-              <a:t>total injective function</a:t>
-            </a:r>
-          </a:p>
-          <a:p>
-            <a:pPr algn="ctr">
-              <a:buNone/>
-            </a:pPr>
-            <a:r>
-              <a:rPr lang="en-US" sz="7200" dirty="0" smtClean="0">
-                <a:solidFill>
-                  <a:srgbClr val="0000FF"/>
-                </a:solidFill>
-              </a:rPr>
-              <a:t>        </a:t>
-            </a:r>
-            <a:r>
-              <a:rPr lang="en-US" sz="7200" dirty="0" err="1" smtClean="0">
-                <a:solidFill>
-                  <a:srgbClr val="9F009F"/>
-                </a:solidFill>
-              </a:rPr>
-              <a:t>m</a:t>
-            </a:r>
-            <a:r>
-              <a:rPr lang="en-US" sz="7200" dirty="0" err="1" smtClean="0">
-                <a:solidFill>
-                  <a:srgbClr val="0000FF"/>
-                </a:solidFill>
-              </a:rPr>
-              <a:t>:G→B</a:t>
-            </a:r>
-            <a:endParaRPr lang="en-US" sz="7200" dirty="0" smtClean="0">
+              <a:t>Bipartite match</a:t>
+            </a:r>
+            <a:endParaRPr lang="en-US" sz="4800" dirty="0" smtClean="0">
               <a:solidFill>
                 <a:srgbClr val="0000FF"/>
               </a:solidFill>
             </a:endParaRPr>
           </a:p>
-          <a:p>
-            <a:pPr algn="ctr">
-              <a:buNone/>
-            </a:pPr>
-            <a:r>
-              <a:rPr lang="en-US" sz="7200" dirty="0" smtClean="0"/>
-              <a:t>    </a:t>
-            </a:r>
-          </a:p>
         </p:txBody>
       </p:sp>
       <p:graphicFrame>
         <p:nvGraphicFramePr>
-          <p:cNvPr id="2" name="Object 1"/>
+          <p:cNvPr id="7" name="Object 6"/>
           <p:cNvGraphicFramePr>
             <a:graphicFrameLocks noChangeAspect="1"/>
           </p:cNvGraphicFramePr>
           <p:nvPr>
             <p:extLst>
               <p:ext uri="{D42A27DB-BD31-4B8C-83A1-F6EECF244321}">
-                <p14:modId xmlns:p14="http://schemas.microsoft.com/office/powerpoint/2010/main" val="1703012049"/>
+                <p14:modId xmlns:p14="http://schemas.microsoft.com/office/powerpoint/2010/main" val="2219429557"/>
               </p:ext>
             </p:extLst>
           </p:nvPr>
         </p:nvGraphicFramePr>
         <p:xfrm>
-          <a:off x="1800300" y="4509275"/>
-          <a:ext cx="5993834" cy="1401156"/>
+          <a:off x="1244600" y="4508500"/>
+          <a:ext cx="6616700" cy="1401763"/>
         </p:xfrm>
         <a:graphic>
           <a:graphicData uri="http://schemas.openxmlformats.org/presentationml/2006/ole">
             <mc:AlternateContent xmlns:mc="http://schemas.openxmlformats.org/markup-compatibility/2006">
               <mc:Choice xmlns:v="urn:schemas-microsoft-com:vml" Requires="v">
-                <p:oleObj spid="_x0000_s19461" name="Equation" r:id="rId4" imgW="977900" imgH="228600" progId="Equation.DSMT4">
+                <p:oleObj spid="_x0000_s39940" name="Equation" r:id="rId4" imgW="1079500" imgH="228600" progId="Equation.DSMT4">
                   <p:embed/>
                 </p:oleObj>
               </mc:Choice>
               <mc:Fallback>
-                <p:oleObj name="Equation" r:id="rId4" imgW="977900" imgH="228600" progId="Equation.DSMT4">
+                <p:oleObj name="Equation" r:id="rId4" imgW="1079500" imgH="228600" progId="Equation.DSMT4">
                   <p:embed/>
                   <p:pic>
                     <p:nvPicPr>
@@ -15759,8 +15765,8 @@
                     </p:blipFill>
                     <p:spPr>
                       <a:xfrm>
-                        <a:off x="1800300" y="4509275"/>
-                        <a:ext cx="5993834" cy="1401156"/>
+                        <a:off x="1244600" y="4508500"/>
+                        <a:ext cx="6616700" cy="1401763"/>
                       </a:xfrm>
                       <a:prstGeom prst="rect">
                         <a:avLst/>
@@ -15776,16 +15782,25 @@
     </p:spTree>
     <p:extLst>
       <p:ext uri="{BB962C8B-B14F-4D97-AF65-F5344CB8AC3E}">
-        <p14:creationId xmlns:p14="http://schemas.microsoft.com/office/powerpoint/2010/main" val="737402355"/>
+        <p14:creationId xmlns:p14="http://schemas.microsoft.com/office/powerpoint/2010/main" val="2030897546"/>
       </p:ext>
     </p:extLst>
   </p:cSld>
   <p:clrMapOvr>
     <a:masterClrMapping/>
   </p:clrMapOvr>
-  <p:transition xmlns:p14="http://schemas.microsoft.com/office/powerpoint/2010/main" advClick="0">
-    <p:fade/>
-  </p:transition>
+  <mc:AlternateContent xmlns:mc="http://schemas.openxmlformats.org/markup-compatibility/2006">
+    <mc:Choice xmlns:p14="http://schemas.microsoft.com/office/powerpoint/2010/main" Requires="p14">
+      <p:transition spd="med" p14:dur="600" advClick="0">
+        <p:fade/>
+      </p:transition>
+    </mc:Choice>
+    <mc:Fallback>
+      <p:transition xmlns:p14="http://schemas.microsoft.com/office/powerpoint/2010/main" spd="med" advClick="0">
+        <p:fade/>
+      </p:transition>
+    </mc:Fallback>
+  </mc:AlternateContent>
   <p:timing>
     <p:tnLst>
       <p:par>
@@ -15879,7 +15894,126 @@
       </p:sp>
       <p:sp>
         <p:nvSpPr>
-          <p:cNvPr id="29" name="Rectangle 3"/>
+          <p:cNvPr id="3" name="TextBox 2"/>
+          <p:cNvSpPr txBox="1"/>
+          <p:nvPr/>
+        </p:nvSpPr>
+        <p:spPr>
+          <a:xfrm>
+            <a:off x="780468" y="1150681"/>
+            <a:ext cx="7644228" cy="4579715"/>
+          </a:xfrm>
+          <a:prstGeom prst="rect">
+            <a:avLst/>
+          </a:prstGeom>
+          <a:noFill/>
+        </p:spPr>
+        <p:txBody>
+          <a:bodyPr wrap="none" rtlCol="0">
+            <a:spAutoFit/>
+          </a:bodyPr>
+          <a:lstStyle/>
+          <a:p>
+            <a:pPr>
+              <a:buNone/>
+            </a:pPr>
+            <a:r>
+              <a:rPr lang="en-US" sz="5400" dirty="0" smtClean="0"/>
+              <a:t>A </a:t>
+            </a:r>
+            <a:r>
+              <a:rPr lang="en-US" sz="5400" dirty="0" smtClean="0">
+                <a:solidFill>
+                  <a:srgbClr val="0000FF"/>
+                </a:solidFill>
+              </a:rPr>
+              <a:t>match </a:t>
+            </a:r>
+            <a:r>
+              <a:rPr lang="en-US" sz="5400" dirty="0" smtClean="0">
+                <a:solidFill>
+                  <a:schemeClr val="tx2"/>
+                </a:solidFill>
+              </a:rPr>
+              <a:t>is a</a:t>
+            </a:r>
+          </a:p>
+          <a:p>
+            <a:pPr>
+              <a:buNone/>
+            </a:pPr>
+            <a:r>
+              <a:rPr lang="en-US" sz="5400" dirty="0" smtClean="0">
+                <a:solidFill>
+                  <a:srgbClr val="9F009F"/>
+                </a:solidFill>
+              </a:rPr>
+              <a:t>total injective function</a:t>
+            </a:r>
+          </a:p>
+          <a:p>
+            <a:pPr algn="ctr">
+              <a:spcAft>
+                <a:spcPts val="0"/>
+              </a:spcAft>
+              <a:buNone/>
+            </a:pPr>
+            <a:r>
+              <a:rPr lang="en-US" sz="7200" dirty="0" smtClean="0">
+                <a:solidFill>
+                  <a:srgbClr val="0000FF"/>
+                </a:solidFill>
+              </a:rPr>
+              <a:t>   </a:t>
+            </a:r>
+            <a:r>
+              <a:rPr lang="en-US" sz="7200" dirty="0" err="1" smtClean="0">
+                <a:solidFill>
+                  <a:srgbClr val="9F009F"/>
+                </a:solidFill>
+              </a:rPr>
+              <a:t>m</a:t>
+            </a:r>
+            <a:r>
+              <a:rPr lang="en-US" sz="7200" dirty="0" err="1" smtClean="0">
+                <a:solidFill>
+                  <a:srgbClr val="0000FF"/>
+                </a:solidFill>
+              </a:rPr>
+              <a:t>:L</a:t>
+            </a:r>
+            <a:r>
+              <a:rPr lang="en-US" sz="7200" dirty="0" smtClean="0">
+                <a:solidFill>
+                  <a:srgbClr val="0000FF"/>
+                </a:solidFill>
+              </a:rPr>
+              <a:t>(H)→R(H)</a:t>
+            </a:r>
+            <a:endParaRPr lang="en-US" sz="7200" dirty="0" smtClean="0">
+              <a:solidFill>
+                <a:srgbClr val="0000FF"/>
+              </a:solidFill>
+            </a:endParaRPr>
+          </a:p>
+          <a:p>
+            <a:pPr algn="ctr">
+              <a:spcAft>
+                <a:spcPts val="0"/>
+              </a:spcAft>
+              <a:buNone/>
+            </a:pPr>
+            <a:r>
+              <a:rPr lang="en-US" sz="7200" dirty="0" smtClean="0"/>
+              <a:t> </a:t>
+            </a:r>
+            <a:endParaRPr lang="en-US" sz="6000" dirty="0" smtClean="0"/>
+          </a:p>
+        </p:txBody>
+      </p:sp>
+      <p:sp>
+        <p:nvSpPr>
+          <p:cNvPr id="6" name="Rectangle 3"/>
           <p:cNvSpPr txBox="1">
             <a:spLocks noChangeArrowheads="1"/>
           </p:cNvSpPr>
@@ -16043,143 +16177,44 @@
             </a:pPr>
             <a:r>
               <a:rPr lang="en-US" sz="4800" dirty="0" smtClean="0"/>
-              <a:t>Hall graph </a:t>
-            </a:r>
-            <a:r>
-              <a:rPr lang="en-US" sz="4800" dirty="0" smtClean="0">
-                <a:solidFill>
-                  <a:srgbClr val="0000FF"/>
-                </a:solidFill>
-              </a:rPr>
-              <a:t>H</a:t>
-            </a:r>
-          </a:p>
-        </p:txBody>
-      </p:sp>
-      <p:sp>
-        <p:nvSpPr>
-          <p:cNvPr id="3" name="TextBox 2"/>
-          <p:cNvSpPr txBox="1"/>
-          <p:nvPr/>
-        </p:nvSpPr>
-        <p:spPr>
-          <a:xfrm>
-            <a:off x="928334" y="1150681"/>
-            <a:ext cx="7644228" cy="4579715"/>
-          </a:xfrm>
-          <a:prstGeom prst="rect">
-            <a:avLst/>
-          </a:prstGeom>
-          <a:noFill/>
-        </p:spPr>
-        <p:txBody>
-          <a:bodyPr wrap="none" rtlCol="0">
-            <a:spAutoFit/>
-          </a:bodyPr>
-          <a:lstStyle/>
-          <a:p>
-            <a:pPr>
-              <a:buNone/>
-            </a:pPr>
-            <a:r>
-              <a:rPr lang="en-US" sz="5400" dirty="0" smtClean="0"/>
-              <a:t>A </a:t>
-            </a:r>
-            <a:r>
-              <a:rPr lang="en-US" sz="5400" dirty="0" smtClean="0">
-                <a:solidFill>
-                  <a:srgbClr val="0000FF"/>
-                </a:solidFill>
-              </a:rPr>
-              <a:t>match </a:t>
-            </a:r>
-            <a:r>
-              <a:rPr lang="en-US" sz="5400" dirty="0" smtClean="0">
-                <a:solidFill>
-                  <a:schemeClr val="tx2"/>
-                </a:solidFill>
-              </a:rPr>
-              <a:t>is a</a:t>
-            </a:r>
-          </a:p>
-          <a:p>
-            <a:pPr>
-              <a:buNone/>
-            </a:pPr>
-            <a:r>
-              <a:rPr lang="en-US" sz="5400" dirty="0" smtClean="0">
-                <a:solidFill>
-                  <a:srgbClr val="9F009F"/>
-                </a:solidFill>
-              </a:rPr>
-              <a:t>total injective function</a:t>
-            </a:r>
-          </a:p>
-          <a:p>
-            <a:pPr algn="ctr">
-              <a:buNone/>
-            </a:pPr>
-            <a:r>
-              <a:rPr lang="en-US" sz="7200" dirty="0" smtClean="0">
-                <a:solidFill>
-                  <a:srgbClr val="0000FF"/>
-                </a:solidFill>
-              </a:rPr>
-              <a:t>        </a:t>
-            </a:r>
-            <a:r>
-              <a:rPr lang="en-US" sz="7200" dirty="0" err="1" smtClean="0">
-                <a:solidFill>
-                  <a:srgbClr val="0000FF"/>
-                </a:solidFill>
-              </a:rPr>
-              <a:t>m:G→B</a:t>
-            </a:r>
-            <a:endParaRPr lang="en-US" sz="7200" dirty="0" smtClean="0">
+              <a:t>Bipartite match</a:t>
+            </a:r>
+            <a:endParaRPr lang="en-US" sz="4800" dirty="0" smtClean="0">
               <a:solidFill>
                 <a:srgbClr val="0000FF"/>
               </a:solidFill>
             </a:endParaRPr>
           </a:p>
-          <a:p>
-            <a:pPr algn="ctr">
-              <a:buNone/>
-            </a:pPr>
-            <a:r>
-              <a:rPr lang="en-US" sz="7200" dirty="0" smtClean="0"/>
-              <a:t>    </a:t>
-            </a:r>
-          </a:p>
         </p:txBody>
       </p:sp>
       <p:graphicFrame>
         <p:nvGraphicFramePr>
-          <p:cNvPr id="4" name="Object 3"/>
+          <p:cNvPr id="8" name="Object 7"/>
           <p:cNvGraphicFramePr>
             <a:graphicFrameLocks noChangeAspect="1"/>
           </p:cNvGraphicFramePr>
           <p:nvPr>
             <p:extLst>
               <p:ext uri="{D42A27DB-BD31-4B8C-83A1-F6EECF244321}">
-                <p14:modId xmlns:p14="http://schemas.microsoft.com/office/powerpoint/2010/main" val="2232733237"/>
+                <p14:modId xmlns:p14="http://schemas.microsoft.com/office/powerpoint/2010/main" val="39516452"/>
               </p:ext>
             </p:extLst>
           </p:nvPr>
         </p:nvGraphicFramePr>
         <p:xfrm>
-          <a:off x="1497576" y="4415290"/>
-          <a:ext cx="6389172" cy="1419816"/>
+          <a:off x="670524" y="4475731"/>
+          <a:ext cx="7731125" cy="1420812"/>
         </p:xfrm>
         <a:graphic>
           <a:graphicData uri="http://schemas.openxmlformats.org/presentationml/2006/ole">
             <mc:AlternateContent xmlns:mc="http://schemas.openxmlformats.org/markup-compatibility/2006">
               <mc:Choice xmlns:v="urn:schemas-microsoft-com:vml" Requires="v">
-                <p:oleObj spid="_x0000_s20484" name="Equation" r:id="rId4" imgW="1028700" imgH="228600" progId="Equation.DSMT4">
+                <p:oleObj spid="_x0000_s40964" name="Equation" r:id="rId4" imgW="1244600" imgH="228600" progId="Equation.DSMT4">
                   <p:embed/>
                 </p:oleObj>
               </mc:Choice>
               <mc:Fallback>
-                <p:oleObj name="Equation" r:id="rId4" imgW="1028700" imgH="228600" progId="Equation.DSMT4">
+                <p:oleObj name="Equation" r:id="rId4" imgW="1244600" imgH="228600" progId="Equation.DSMT4">
                   <p:embed/>
                   <p:pic>
                     <p:nvPicPr>
@@ -16195,8 +16230,8 @@
                     </p:blipFill>
                     <p:spPr>
                       <a:xfrm>
-                        <a:off x="1497576" y="4415290"/>
-                        <a:ext cx="6389172" cy="1419816"/>
+                        <a:off x="670524" y="4475731"/>
+                        <a:ext cx="7731125" cy="1420812"/>
                       </a:xfrm>
                       <a:prstGeom prst="rect">
                         <a:avLst/>
@@ -16212,16 +16247,25 @@
     </p:spTree>
     <p:extLst>
       <p:ext uri="{BB962C8B-B14F-4D97-AF65-F5344CB8AC3E}">
-        <p14:creationId xmlns:p14="http://schemas.microsoft.com/office/powerpoint/2010/main" val="2349792799"/>
+        <p14:creationId xmlns:p14="http://schemas.microsoft.com/office/powerpoint/2010/main" val="2305682669"/>
       </p:ext>
     </p:extLst>
   </p:cSld>
   <p:clrMapOvr>
     <a:masterClrMapping/>
   </p:clrMapOvr>
-  <p:transition xmlns:p14="http://schemas.microsoft.com/office/powerpoint/2010/main" advClick="0">
-    <p:fade/>
-  </p:transition>
+  <mc:AlternateContent xmlns:mc="http://schemas.openxmlformats.org/markup-compatibility/2006">
+    <mc:Choice xmlns:p14="http://schemas.microsoft.com/office/powerpoint/2010/main" Requires="p14">
+      <p:transition spd="med" p14:dur="700" advClick="0">
+        <p:fade/>
+      </p:transition>
+    </mc:Choice>
+    <mc:Fallback>
+      <p:transition xmlns:p14="http://schemas.microsoft.com/office/powerpoint/2010/main" spd="med" advClick="0">
+        <p:fade/>
+      </p:transition>
+    </mc:Fallback>
+  </mc:AlternateContent>
   <p:timing>
     <p:tnLst>
       <p:par>
@@ -16345,21 +16389,7 @@
             </a:r>
             <a:r>
               <a:rPr lang="en-US" sz="6000" dirty="0" smtClean="0"/>
-              <a:t>sets of girls,</a:t>
-            </a:r>
-            <a:r>
-              <a:rPr lang="en-US" sz="6000" dirty="0" smtClean="0">
-                <a:solidFill>
-                  <a:schemeClr val="accent1">
-                    <a:lumMod val="50000"/>
-                  </a:schemeClr>
-                </a:solidFill>
-              </a:rPr>
-              <a:t> S</a:t>
-            </a:r>
-            <a:r>
-              <a:rPr lang="en-US" sz="6000" dirty="0" smtClean="0"/>
-              <a:t>, </a:t>
+              <a:t>sets  </a:t>
             </a:r>
           </a:p>
           <a:p>
@@ -16500,8 +16530,8 @@
         </p:nvSpPr>
         <p:spPr bwMode="auto">
           <a:xfrm>
-            <a:off x="288213" y="1864529"/>
-            <a:ext cx="8358170" cy="1846515"/>
+            <a:off x="288213" y="1829733"/>
+            <a:ext cx="8131660" cy="1919495"/>
           </a:xfrm>
           <a:prstGeom prst="roundRect">
             <a:avLst/>
@@ -16555,6 +16585,63 @@
           </a:p>
         </p:txBody>
       </p:sp>
+      <p:graphicFrame>
+        <p:nvGraphicFramePr>
+          <p:cNvPr id="3" name="Object 2"/>
+          <p:cNvGraphicFramePr>
+            <a:graphicFrameLocks noChangeAspect="1"/>
+          </p:cNvGraphicFramePr>
+          <p:nvPr>
+            <p:extLst>
+              <p:ext uri="{D42A27DB-BD31-4B8C-83A1-F6EECF244321}">
+                <p14:modId xmlns:p14="http://schemas.microsoft.com/office/powerpoint/2010/main" val="1243056784"/>
+              </p:ext>
+            </p:extLst>
+          </p:nvPr>
+        </p:nvGraphicFramePr>
+        <p:xfrm>
+          <a:off x="2391488" y="2724348"/>
+          <a:ext cx="3346959" cy="1137966"/>
+        </p:xfrm>
+        <a:graphic>
+          <a:graphicData uri="http://schemas.openxmlformats.org/presentationml/2006/ole">
+            <mc:AlternateContent xmlns:mc="http://schemas.openxmlformats.org/markup-compatibility/2006">
+              <mc:Choice xmlns:v="urn:schemas-microsoft-com:vml" Requires="v">
+                <p:oleObj spid="_x0000_s30727" name="Equation" r:id="rId4" imgW="635000" imgH="215900" progId="Equation.DSMT4">
+                  <p:embed/>
+                </p:oleObj>
+              </mc:Choice>
+              <mc:Fallback>
+                <p:oleObj name="Equation" r:id="rId4" imgW="635000" imgH="215900" progId="Equation.DSMT4">
+                  <p:embed/>
+                  <p:pic>
+                    <p:nvPicPr>
+                      <p:cNvPr id="0" name=""/>
+                      <p:cNvPicPr/>
+                      <p:nvPr/>
+                    </p:nvPicPr>
+                    <p:blipFill>
+                      <a:blip r:embed="rId5"/>
+                      <a:stretch>
+                        <a:fillRect/>
+                      </a:stretch>
+                    </p:blipFill>
+                    <p:spPr>
+                      <a:xfrm>
+                        <a:off x="2391488" y="2724348"/>
+                        <a:ext cx="3346959" cy="1137966"/>
+                      </a:xfrm>
+                      <a:prstGeom prst="rect">
+                        <a:avLst/>
+                      </a:prstGeom>
+                    </p:spPr>
+                  </p:pic>
+                </p:oleObj>
+              </mc:Fallback>
+            </mc:AlternateContent>
+          </a:graphicData>
+        </a:graphic>
+      </p:graphicFrame>
     </p:spTree>
     <p:extLst>
       <p:ext uri="{BB962C8B-B14F-4D97-AF65-F5344CB8AC3E}">
@@ -16631,6 +16718,41 @@
                                   </p:childTnLst>
                                 </p:cTn>
                               </p:par>
+                              <p:par>
+                                <p:cTn id="8" presetID="10" presetClass="entr" presetSubtype="0" fill="hold" nodeType="withEffect">
+                                  <p:stCondLst>
+                                    <p:cond delay="0"/>
+                                  </p:stCondLst>
+                                  <p:childTnLst>
+                                    <p:set>
+                                      <p:cBhvr>
+                                        <p:cTn id="9" dur="1" fill="hold">
+                                          <p:stCondLst>
+                                            <p:cond delay="0"/>
+                                          </p:stCondLst>
+                                        </p:cTn>
+                                        <p:tgtEl>
+                                          <p:spTgt spid="3"/>
+                                        </p:tgtEl>
+                                        <p:attrNameLst>
+                                          <p:attrName>style.visibility</p:attrName>
+                                        </p:attrNameLst>
+                                      </p:cBhvr>
+                                      <p:to>
+                                        <p:strVal val="visible"/>
+                                      </p:to>
+                                    </p:set>
+                                    <p:animEffect transition="in" filter="fade">
+                                      <p:cBhvr>
+                                        <p:cTn id="10" dur="500"/>
+                                        <p:tgtEl>
+                                          <p:spTgt spid="3"/>
+                                        </p:tgtEl>
+                                      </p:cBhvr>
+                                    </p:animEffect>
+                                  </p:childTnLst>
+                                </p:cTn>
+                              </p:par>
                             </p:childTnLst>
                           </p:cTn>
                         </p:par>
@@ -16638,26 +16760,26 @@
                     </p:cTn>
                   </p:par>
                   <p:par>
-                    <p:cTn id="8" fill="hold">
+                    <p:cTn id="11" fill="hold">
                       <p:stCondLst>
                         <p:cond delay="indefinite"/>
                       </p:stCondLst>
                       <p:childTnLst>
                         <p:par>
-                          <p:cTn id="9" fill="hold">
+                          <p:cTn id="12" fill="hold">
                             <p:stCondLst>
                               <p:cond delay="0"/>
                             </p:stCondLst>
                             <p:childTnLst>
                               <p:par>
-                                <p:cTn id="10" presetID="9" presetClass="entr" presetSubtype="0" fill="hold" grpId="0" nodeType="clickEffect">
+                                <p:cTn id="13" presetID="9" presetClass="entr" presetSubtype="0" fill="hold" grpId="0" nodeType="clickEffect">
                                   <p:stCondLst>
                                     <p:cond delay="0"/>
                                   </p:stCondLst>
                                   <p:childTnLst>
                                     <p:set>
                                       <p:cBhvr>
-                                        <p:cTn id="11" dur="1" fill="hold">
+                                        <p:cTn id="14" dur="1" fill="hold">
                                           <p:stCondLst>
                                             <p:cond delay="0"/>
                                           </p:stCondLst>
@@ -16675,7 +16797,7 @@
                                     </p:set>
                                     <p:animEffect transition="in" filter="dissolve">
                                       <p:cBhvr>
-                                        <p:cTn id="12" dur="500"/>
+                                        <p:cTn id="15" dur="500"/>
                                         <p:tgtEl>
                                           <p:spTgt spid="2"/>
                                         </p:tgtEl>
@@ -16691,26 +16813,26 @@
                     </p:cTn>
                   </p:par>
                   <p:par>
-                    <p:cTn id="13" fill="hold">
+                    <p:cTn id="16" fill="hold">
                       <p:stCondLst>
                         <p:cond delay="indefinite"/>
                       </p:stCondLst>
                       <p:childTnLst>
                         <p:par>
-                          <p:cTn id="14" fill="hold">
+                          <p:cTn id="17" fill="hold">
                             <p:stCondLst>
                               <p:cond delay="0"/>
                             </p:stCondLst>
                             <p:childTnLst>
                               <p:par>
-                                <p:cTn id="15" presetID="10" presetClass="entr" presetSubtype="0" fill="hold" grpId="0" nodeType="clickEffect">
+                                <p:cTn id="18" presetID="10" presetClass="entr" presetSubtype="0" fill="hold" grpId="0" nodeType="clickEffect">
                                   <p:stCondLst>
                                     <p:cond delay="0"/>
                                   </p:stCondLst>
                                   <p:childTnLst>
                                     <p:set>
                                       <p:cBhvr>
-                                        <p:cTn id="16" dur="1" fill="hold">
+                                        <p:cTn id="19" dur="1" fill="hold">
                                           <p:stCondLst>
                                             <p:cond delay="0"/>
                                           </p:stCondLst>
@@ -16732,7 +16854,7 @@
                                     </p:set>
                                     <p:animEffect transition="in" filter="fade">
                                       <p:cBhvr>
-                                        <p:cTn id="17" dur="500"/>
+                                        <p:cTn id="20" dur="500"/>
                                         <p:tgtEl>
                                           <p:spTgt spid="52226">
                                             <p:txEl>
@@ -16752,26 +16874,26 @@
                     </p:cTn>
                   </p:par>
                   <p:par>
-                    <p:cTn id="18" fill="hold">
+                    <p:cTn id="21" fill="hold">
                       <p:stCondLst>
                         <p:cond delay="indefinite"/>
                       </p:stCondLst>
                       <p:childTnLst>
                         <p:par>
-                          <p:cTn id="19" fill="hold">
+                          <p:cTn id="22" fill="hold">
                             <p:stCondLst>
                               <p:cond delay="0"/>
                             </p:stCondLst>
                             <p:childTnLst>
                               <p:par>
-                                <p:cTn id="20" presetID="53" presetClass="entr" presetSubtype="16" fill="hold" grpId="0" nodeType="clickEffect">
+                                <p:cTn id="23" presetID="53" presetClass="entr" presetSubtype="16" fill="hold" grpId="0" nodeType="clickEffect">
                                   <p:stCondLst>
                                     <p:cond delay="0"/>
                                   </p:stCondLst>
                                   <p:childTnLst>
                                     <p:set>
                                       <p:cBhvr>
-                                        <p:cTn id="21" dur="1" fill="hold">
+                                        <p:cTn id="24" dur="1" fill="hold">
                                           <p:stCondLst>
                                             <p:cond delay="0"/>
                                           </p:stCondLst>
@@ -16789,7 +16911,7 @@
                                     </p:set>
                                     <p:anim calcmode="lin" valueType="num">
                                       <p:cBhvr>
-                                        <p:cTn id="22" dur="500" fill="hold"/>
+                                        <p:cTn id="25" dur="500" fill="hold"/>
                                         <p:tgtEl>
                                           <p:spTgt spid="52227"/>
                                         </p:tgtEl>
@@ -16812,7 +16934,7 @@
                                     </p:anim>
                                     <p:anim calcmode="lin" valueType="num">
                                       <p:cBhvr>
-                                        <p:cTn id="23" dur="500" fill="hold"/>
+                                        <p:cTn id="26" dur="500" fill="hold"/>
                                         <p:tgtEl>
                                           <p:spTgt spid="52227"/>
                                         </p:tgtEl>
@@ -16835,7 +16957,7 @@
                                     </p:anim>
                                     <p:animEffect transition="in" filter="fade">
                                       <p:cBhvr>
-                                        <p:cTn id="24" dur="500"/>
+                                        <p:cTn id="27" dur="500"/>
                                         <p:tgtEl>
                                           <p:spTgt spid="52227"/>
                                         </p:tgtEl>
@@ -17025,7 +17147,7 @@
           <a:graphicData uri="http://schemas.openxmlformats.org/presentationml/2006/ole">
             <mc:AlternateContent xmlns:mc="http://schemas.openxmlformats.org/markup-compatibility/2006">
               <mc:Choice xmlns:v="urn:schemas-microsoft-com:vml" Requires="v">
-                <p:oleObj spid="_x0000_s1113" name="Equation" r:id="rId4" imgW="914400" imgH="198720" progId="">
+                <p:oleObj spid="_x0000_s1125" name="Equation" r:id="rId4" imgW="914400" imgH="198720" progId="">
                   <p:embed/>
                 </p:oleObj>
               </mc:Choice>
@@ -17101,7 +17223,7 @@
           <a:graphicData uri="http://schemas.openxmlformats.org/presentationml/2006/ole">
             <mc:AlternateContent xmlns:mc="http://schemas.openxmlformats.org/markup-compatibility/2006">
               <mc:Choice xmlns:v="urn:schemas-microsoft-com:vml" Requires="v">
-                <p:oleObj spid="_x0000_s1114" name="Equation" r:id="rId6" imgW="914400" imgH="198720" progId="Equation.3">
+                <p:oleObj spid="_x0000_s1126" name="Equation" r:id="rId6" imgW="914400" imgH="198720" progId="Equation.3">
                   <p:embed/>
                 </p:oleObj>
               </mc:Choice>
@@ -17611,13 +17733,13 @@
               <a:rPr lang="en-US" sz="4400" dirty="0">
                 <a:latin typeface="Comic Sans MS" pitchFamily="8" charset="0"/>
               </a:rPr>
-              <a:t>girl likes</a:t>
+              <a:t>girl </a:t>
             </a:r>
             <a:r>
               <a:rPr lang="en-US" sz="4400" dirty="0" smtClean="0">
                 <a:latin typeface="Comic Sans MS" pitchFamily="8" charset="0"/>
               </a:rPr>
-              <a:t> </a:t>
+              <a:t>  likes </a:t>
             </a:r>
             <a:r>
               <a:rPr lang="en-US" sz="4400" b="1" dirty="0" smtClean="0">
@@ -17744,7 +17866,7 @@
           <a:graphicData uri="http://schemas.openxmlformats.org/presentationml/2006/ole">
             <mc:AlternateContent xmlns:mc="http://schemas.openxmlformats.org/markup-compatibility/2006">
               <mc:Choice xmlns:v="urn:schemas-microsoft-com:vml" Requires="v">
-                <p:oleObj spid="_x0000_s2147" name="Equation" r:id="rId4" imgW="914400" imgH="198720" progId="">
+                <p:oleObj spid="_x0000_s2161" name="Equation" r:id="rId4" imgW="914400" imgH="198720" progId="">
                   <p:embed/>
                 </p:oleObj>
               </mc:Choice>
@@ -17820,7 +17942,7 @@
           <a:graphicData uri="http://schemas.openxmlformats.org/presentationml/2006/ole">
             <mc:AlternateContent xmlns:mc="http://schemas.openxmlformats.org/markup-compatibility/2006">
               <mc:Choice xmlns:v="urn:schemas-microsoft-com:vml" Requires="v">
-                <p:oleObj spid="_x0000_s2148" name="Equation" r:id="rId6" imgW="914400" imgH="198720" progId="Equation.3">
+                <p:oleObj spid="_x0000_s2162" name="Equation" r:id="rId6" imgW="914400" imgH="198720" progId="Equation.3">
                   <p:embed/>
                 </p:oleObj>
               </mc:Choice>
@@ -18024,7 +18146,7 @@
               <a:rPr lang="en-US" sz="5400" dirty="0" smtClean="0">
                 <a:latin typeface="+mj-lt"/>
               </a:rPr>
-              <a:t>Hall graph</a:t>
+              <a:t>bipartite graph</a:t>
             </a:r>
           </a:p>
         </p:txBody>
@@ -18273,8 +18395,8 @@
         </p:nvSpPr>
         <p:spPr bwMode="auto">
           <a:xfrm>
-            <a:off x="1143000" y="228600"/>
-            <a:ext cx="6220974" cy="584776"/>
+            <a:off x="2030520" y="80539"/>
+            <a:ext cx="5509842" cy="1175706"/>
           </a:xfrm>
           <a:prstGeom prst="rect">
             <a:avLst/>
@@ -18293,15 +18415,29 @@
           </a:bodyPr>
           <a:lstStyle/>
           <a:p>
-            <a:pPr>
+            <a:pPr algn="ctr">
               <a:buNone/>
             </a:pPr>
             <a:r>
-              <a:rPr lang="en-US" b="1">
-                <a:latin typeface="Comic Sans MS" pitchFamily="8" charset="0"/>
-              </a:rPr>
-              <a:t>How to verify no bottlenecks?</a:t>
-            </a:r>
+              <a:rPr lang="en-US" b="1" dirty="0" smtClean="0">
+                <a:latin typeface="Comic Sans MS" pitchFamily="8" charset="0"/>
+              </a:rPr>
+              <a:t>Degree constrained implies</a:t>
+            </a:r>
+          </a:p>
+          <a:p>
+            <a:pPr algn="ctr">
+              <a:buNone/>
+            </a:pPr>
+            <a:r>
+              <a:rPr lang="en-US" b="1" dirty="0" smtClean="0">
+                <a:latin typeface="Comic Sans MS" pitchFamily="8" charset="0"/>
+              </a:rPr>
+              <a:t>Hall condition</a:t>
+            </a:r>
+            <a:endParaRPr lang="en-US" b="1" dirty="0">
+              <a:latin typeface="Comic Sans MS" pitchFamily="8" charset="0"/>
+            </a:endParaRPr>
           </a:p>
         </p:txBody>
       </p:sp>
@@ -18481,7 +18617,7 @@
           <a:graphicData uri="http://schemas.openxmlformats.org/presentationml/2006/ole">
             <mc:AlternateContent xmlns:mc="http://schemas.openxmlformats.org/markup-compatibility/2006">
               <mc:Choice xmlns:v="urn:schemas-microsoft-com:vml" Requires="v">
-                <p:oleObj spid="_x0000_s11333" name="Equation" r:id="rId4" imgW="914400" imgH="198720" progId="">
+                <p:oleObj spid="_x0000_s11347" name="Equation" r:id="rId4" imgW="914400" imgH="198720" progId="">
                   <p:embed/>
                 </p:oleObj>
               </mc:Choice>
@@ -18557,7 +18693,7 @@
           <a:graphicData uri="http://schemas.openxmlformats.org/presentationml/2006/ole">
             <mc:AlternateContent xmlns:mc="http://schemas.openxmlformats.org/markup-compatibility/2006">
               <mc:Choice xmlns:v="urn:schemas-microsoft-com:vml" Requires="v">
-                <p:oleObj spid="_x0000_s11334" name="Equation" r:id="rId6" imgW="914400" imgH="198720" progId="Equation.3">
+                <p:oleObj spid="_x0000_s11348" name="Equation" r:id="rId6" imgW="914400" imgH="198720" progId="Equation.3">
                   <p:embed/>
                 </p:oleObj>
               </mc:Choice>
@@ -18736,9 +18872,142 @@
   <p:timing>
     <p:tnLst>
       <p:par>
-        <p:cTn xmlns:p14="http://schemas.microsoft.com/office/powerpoint/2010/main" id="1" dur="indefinite" restart="never" nodeType="tmRoot"/>
+        <p:cTn xmlns:p14="http://schemas.microsoft.com/office/powerpoint/2010/main" id="1" dur="indefinite" restart="never" nodeType="tmRoot">
+          <p:childTnLst>
+            <p:seq concurrent="1" nextAc="seek">
+              <p:cTn id="2" dur="indefinite" nodeType="mainSeq">
+                <p:childTnLst>
+                  <p:par>
+                    <p:cTn id="3" fill="hold">
+                      <p:stCondLst>
+                        <p:cond delay="indefinite"/>
+                      </p:stCondLst>
+                      <p:childTnLst>
+                        <p:par>
+                          <p:cTn id="4" fill="hold">
+                            <p:stCondLst>
+                              <p:cond delay="0"/>
+                            </p:stCondLst>
+                            <p:childTnLst>
+                              <p:par>
+                                <p:cTn id="5" presetID="10" presetClass="entr" presetSubtype="0" fill="hold" grpId="0" nodeType="clickEffect">
+                                  <p:stCondLst>
+                                    <p:cond delay="0"/>
+                                  </p:stCondLst>
+                                  <p:childTnLst>
+                                    <p:set>
+                                      <p:cBhvr>
+                                        <p:cTn id="6" dur="1" fill="hold">
+                                          <p:stCondLst>
+                                            <p:cond delay="0"/>
+                                          </p:stCondLst>
+                                        </p:cTn>
+                                        <p:tgtEl>
+                                          <p:spTgt spid="285699"/>
+                                        </p:tgtEl>
+                                        <p:attrNameLst>
+                                          <p:attrName>style.visibility</p:attrName>
+                                        </p:attrNameLst>
+                                      </p:cBhvr>
+                                      <p:to>
+                                        <p:strVal val="visible"/>
+                                      </p:to>
+                                    </p:set>
+                                    <p:animEffect transition="in" filter="fade">
+                                      <p:cBhvr>
+                                        <p:cTn id="7" dur="500"/>
+                                        <p:tgtEl>
+                                          <p:spTgt spid="285699"/>
+                                        </p:tgtEl>
+                                      </p:cBhvr>
+                                    </p:animEffect>
+                                  </p:childTnLst>
+                                </p:cTn>
+                              </p:par>
+                            </p:childTnLst>
+                          </p:cTn>
+                        </p:par>
+                      </p:childTnLst>
+                    </p:cTn>
+                  </p:par>
+                  <p:par>
+                    <p:cTn id="8" fill="hold">
+                      <p:stCondLst>
+                        <p:cond delay="indefinite"/>
+                      </p:stCondLst>
+                      <p:childTnLst>
+                        <p:par>
+                          <p:cTn id="9" fill="hold">
+                            <p:stCondLst>
+                              <p:cond delay="0"/>
+                            </p:stCondLst>
+                            <p:childTnLst>
+                              <p:par>
+                                <p:cTn id="10" presetID="10" presetClass="entr" presetSubtype="0" fill="hold" grpId="0" nodeType="clickEffect">
+                                  <p:stCondLst>
+                                    <p:cond delay="0"/>
+                                  </p:stCondLst>
+                                  <p:childTnLst>
+                                    <p:set>
+                                      <p:cBhvr>
+                                        <p:cTn id="11" dur="1" fill="hold">
+                                          <p:stCondLst>
+                                            <p:cond delay="0"/>
+                                          </p:stCondLst>
+                                        </p:cTn>
+                                        <p:tgtEl>
+                                          <p:spTgt spid="9"/>
+                                        </p:tgtEl>
+                                        <p:attrNameLst>
+                                          <p:attrName>style.visibility</p:attrName>
+                                        </p:attrNameLst>
+                                      </p:cBhvr>
+                                      <p:to>
+                                        <p:strVal val="visible"/>
+                                      </p:to>
+                                    </p:set>
+                                    <p:animEffect transition="in" filter="fade">
+                                      <p:cBhvr>
+                                        <p:cTn id="12" dur="500"/>
+                                        <p:tgtEl>
+                                          <p:spTgt spid="9"/>
+                                        </p:tgtEl>
+                                      </p:cBhvr>
+                                    </p:animEffect>
+                                  </p:childTnLst>
+                                </p:cTn>
+                              </p:par>
+                            </p:childTnLst>
+                          </p:cTn>
+                        </p:par>
+                      </p:childTnLst>
+                    </p:cTn>
+                  </p:par>
+                </p:childTnLst>
+              </p:cTn>
+              <p:prevCondLst>
+                <p:cond evt="onPrev" delay="0">
+                  <p:tgtEl>
+                    <p:sldTgt/>
+                  </p:tgtEl>
+                </p:cond>
+              </p:prevCondLst>
+              <p:nextCondLst>
+                <p:cond evt="onNext" delay="0">
+                  <p:tgtEl>
+                    <p:sldTgt/>
+                  </p:tgtEl>
+                </p:cond>
+              </p:nextCondLst>
+            </p:seq>
+          </p:childTnLst>
+        </p:cTn>
       </p:par>
     </p:tnLst>
+    <p:bldLst>
+      <p:bldP spid="285699" grpId="0"/>
+      <p:bldP spid="9" grpId="0"/>
+    </p:bldLst>
   </p:timing>
 </p:sld>
 </file>
